--- a/Resources/FatsGuide.pptx
+++ b/Resources/FatsGuide.pptx
@@ -7,14 +7,13 @@
   <p:sldIdLst>
     <p:sldId id="263" r:id="rId2"/>
     <p:sldId id="256" r:id="rId3"/>
-    <p:sldId id="265" r:id="rId4"/>
-    <p:sldId id="257" r:id="rId5"/>
-    <p:sldId id="258" r:id="rId6"/>
-    <p:sldId id="259" r:id="rId7"/>
-    <p:sldId id="260" r:id="rId8"/>
-    <p:sldId id="261" r:id="rId9"/>
-    <p:sldId id="262" r:id="rId10"/>
-    <p:sldId id="264" r:id="rId11"/>
+    <p:sldId id="257" r:id="rId4"/>
+    <p:sldId id="258" r:id="rId5"/>
+    <p:sldId id="259" r:id="rId6"/>
+    <p:sldId id="260" r:id="rId7"/>
+    <p:sldId id="261" r:id="rId8"/>
+    <p:sldId id="262" r:id="rId9"/>
+    <p:sldId id="264" r:id="rId10"/>
   </p:sldIdLst>
   <p:sldSz cx="12192000" cy="6858000"/>
   <p:notesSz cx="6858000" cy="9144000"/>
@@ -120,7 +119,6 @@
           <p14:sldIdLst>
             <p14:sldId id="263"/>
             <p14:sldId id="256"/>
-            <p14:sldId id="265"/>
             <p14:sldId id="257"/>
             <p14:sldId id="258"/>
             <p14:sldId id="259"/>
@@ -270,7 +268,7 @@
           <a:p>
             <a:fld id="{E9BF1F2D-2AEF-4074-BE6D-430396F80950}" type="datetimeFigureOut">
               <a:rPr lang="en-US" smtClean="0"/>
-              <a:t>3/29/2020</a:t>
+              <a:t>4/6/2020</a:t>
             </a:fld>
             <a:endParaRPr lang="en-US"/>
           </a:p>
@@ -440,7 +438,7 @@
           <a:p>
             <a:fld id="{E9BF1F2D-2AEF-4074-BE6D-430396F80950}" type="datetimeFigureOut">
               <a:rPr lang="en-US" smtClean="0"/>
-              <a:t>3/29/2020</a:t>
+              <a:t>4/6/2020</a:t>
             </a:fld>
             <a:endParaRPr lang="en-US"/>
           </a:p>
@@ -620,7 +618,7 @@
           <a:p>
             <a:fld id="{E9BF1F2D-2AEF-4074-BE6D-430396F80950}" type="datetimeFigureOut">
               <a:rPr lang="en-US" smtClean="0"/>
-              <a:t>3/29/2020</a:t>
+              <a:t>4/6/2020</a:t>
             </a:fld>
             <a:endParaRPr lang="en-US"/>
           </a:p>
@@ -790,7 +788,7 @@
           <a:p>
             <a:fld id="{E9BF1F2D-2AEF-4074-BE6D-430396F80950}" type="datetimeFigureOut">
               <a:rPr lang="en-US" smtClean="0"/>
-              <a:t>3/29/2020</a:t>
+              <a:t>4/6/2020</a:t>
             </a:fld>
             <a:endParaRPr lang="en-US"/>
           </a:p>
@@ -1034,7 +1032,7 @@
           <a:p>
             <a:fld id="{E9BF1F2D-2AEF-4074-BE6D-430396F80950}" type="datetimeFigureOut">
               <a:rPr lang="en-US" smtClean="0"/>
-              <a:t>3/29/2020</a:t>
+              <a:t>4/6/2020</a:t>
             </a:fld>
             <a:endParaRPr lang="en-US"/>
           </a:p>
@@ -1266,7 +1264,7 @@
           <a:p>
             <a:fld id="{E9BF1F2D-2AEF-4074-BE6D-430396F80950}" type="datetimeFigureOut">
               <a:rPr lang="en-US" smtClean="0"/>
-              <a:t>3/29/2020</a:t>
+              <a:t>4/6/2020</a:t>
             </a:fld>
             <a:endParaRPr lang="en-US"/>
           </a:p>
@@ -1633,7 +1631,7 @@
           <a:p>
             <a:fld id="{E9BF1F2D-2AEF-4074-BE6D-430396F80950}" type="datetimeFigureOut">
               <a:rPr lang="en-US" smtClean="0"/>
-              <a:t>3/29/2020</a:t>
+              <a:t>4/6/2020</a:t>
             </a:fld>
             <a:endParaRPr lang="en-US"/>
           </a:p>
@@ -1751,7 +1749,7 @@
           <a:p>
             <a:fld id="{E9BF1F2D-2AEF-4074-BE6D-430396F80950}" type="datetimeFigureOut">
               <a:rPr lang="en-US" smtClean="0"/>
-              <a:t>3/29/2020</a:t>
+              <a:t>4/6/2020</a:t>
             </a:fld>
             <a:endParaRPr lang="en-US"/>
           </a:p>
@@ -1846,7 +1844,7 @@
           <a:p>
             <a:fld id="{E9BF1F2D-2AEF-4074-BE6D-430396F80950}" type="datetimeFigureOut">
               <a:rPr lang="en-US" smtClean="0"/>
-              <a:t>3/29/2020</a:t>
+              <a:t>4/6/2020</a:t>
             </a:fld>
             <a:endParaRPr lang="en-US"/>
           </a:p>
@@ -2123,7 +2121,7 @@
           <a:p>
             <a:fld id="{E9BF1F2D-2AEF-4074-BE6D-430396F80950}" type="datetimeFigureOut">
               <a:rPr lang="en-US" smtClean="0"/>
-              <a:t>3/29/2020</a:t>
+              <a:t>4/6/2020</a:t>
             </a:fld>
             <a:endParaRPr lang="en-US"/>
           </a:p>
@@ -2380,7 +2378,7 @@
           <a:p>
             <a:fld id="{E9BF1F2D-2AEF-4074-BE6D-430396F80950}" type="datetimeFigureOut">
               <a:rPr lang="en-US" smtClean="0"/>
-              <a:t>3/29/2020</a:t>
+              <a:t>4/6/2020</a:t>
             </a:fld>
             <a:endParaRPr lang="en-US"/>
           </a:p>
@@ -2593,7 +2591,7 @@
           <a:p>
             <a:fld id="{E9BF1F2D-2AEF-4074-BE6D-430396F80950}" type="datetimeFigureOut">
               <a:rPr lang="en-US" smtClean="0"/>
-              <a:t>3/29/2020</a:t>
+              <a:t>4/6/2020</a:t>
             </a:fld>
             <a:endParaRPr lang="en-US"/>
           </a:p>
@@ -3068,106 +3066,6 @@
 </p:sld>
 </file>
 
-<file path=ppt/slides/slide10.xml><?xml version="1.0" encoding="utf-8"?>
-<p:sld xmlns:a="http://schemas.openxmlformats.org/drawingml/2006/main" xmlns:r="http://schemas.openxmlformats.org/officeDocument/2006/relationships" xmlns:p="http://schemas.openxmlformats.org/presentationml/2006/main">
-  <p:cSld>
-    <p:spTree>
-      <p:nvGrpSpPr>
-        <p:cNvPr id="1" name=""/>
-        <p:cNvGrpSpPr/>
-        <p:nvPr/>
-      </p:nvGrpSpPr>
-      <p:grpSpPr>
-        <a:xfrm>
-          <a:off x="0" y="0"/>
-          <a:ext cx="0" cy="0"/>
-          <a:chOff x="0" y="0"/>
-          <a:chExt cx="0" cy="0"/>
-        </a:xfrm>
-      </p:grpSpPr>
-      <p:pic>
-        <p:nvPicPr>
-          <p:cNvPr id="3" name="Picture 2">
-            <a:extLst>
-              <a:ext uri="{FF2B5EF4-FFF2-40B4-BE49-F238E27FC236}">
-                <a16:creationId xmlns:a16="http://schemas.microsoft.com/office/drawing/2014/main" id="{5A7052CE-EF89-497E-A5CA-5BEC081A231F}"/>
-              </a:ext>
-            </a:extLst>
-          </p:cNvPr>
-          <p:cNvPicPr>
-            <a:picLocks noChangeAspect="1"/>
-          </p:cNvPicPr>
-          <p:nvPr/>
-        </p:nvPicPr>
-        <p:blipFill>
-          <a:blip r:embed="rId2">
-            <a:extLst>
-              <a:ext uri="{28A0092B-C50C-407E-A947-70E740481C1C}">
-                <a14:useLocalDpi xmlns:a14="http://schemas.microsoft.com/office/drawing/2010/main" val="0"/>
-              </a:ext>
-            </a:extLst>
-          </a:blip>
-          <a:srcRect/>
-          <a:stretch/>
-        </p:blipFill>
-        <p:spPr>
-          <a:xfrm>
-            <a:off x="320040" y="988887"/>
-            <a:ext cx="5464456" cy="4880226"/>
-          </a:xfrm>
-          <a:prstGeom prst="rect">
-            <a:avLst/>
-          </a:prstGeom>
-        </p:spPr>
-      </p:pic>
-      <p:pic>
-        <p:nvPicPr>
-          <p:cNvPr id="9" name="Picture 8">
-            <a:extLst>
-              <a:ext uri="{FF2B5EF4-FFF2-40B4-BE49-F238E27FC236}">
-                <a16:creationId xmlns:a16="http://schemas.microsoft.com/office/drawing/2014/main" id="{AA421ED5-228F-4ACC-9C2F-54AA94CD57F4}"/>
-              </a:ext>
-            </a:extLst>
-          </p:cNvPr>
-          <p:cNvPicPr>
-            <a:picLocks noChangeAspect="1"/>
-          </p:cNvPicPr>
-          <p:nvPr/>
-        </p:nvPicPr>
-        <p:blipFill>
-          <a:blip r:embed="rId3">
-            <a:extLst>
-              <a:ext uri="{28A0092B-C50C-407E-A947-70E740481C1C}">
-                <a14:useLocalDpi xmlns:a14="http://schemas.microsoft.com/office/drawing/2010/main" val="0"/>
-              </a:ext>
-            </a:extLst>
-          </a:blip>
-          <a:srcRect/>
-          <a:stretch/>
-        </p:blipFill>
-        <p:spPr>
-          <a:xfrm>
-            <a:off x="6481974" y="347472"/>
-            <a:ext cx="5341315" cy="6163055"/>
-          </a:xfrm>
-          <a:prstGeom prst="rect">
-            <a:avLst/>
-          </a:prstGeom>
-        </p:spPr>
-      </p:pic>
-    </p:spTree>
-    <p:extLst>
-      <p:ext uri="{BB962C8B-B14F-4D97-AF65-F5344CB8AC3E}">
-        <p14:creationId xmlns:p14="http://schemas.microsoft.com/office/powerpoint/2010/main" val="3860751518"/>
-      </p:ext>
-    </p:extLst>
-  </p:cSld>
-  <p:clrMapOvr>
-    <a:masterClrMapping/>
-  </p:clrMapOvr>
-</p:sld>
-</file>
-
 <file path=ppt/slides/slide2.xml><?xml version="1.0" encoding="utf-8"?>
 <p:sld xmlns:a="http://schemas.openxmlformats.org/drawingml/2006/main" xmlns:r="http://schemas.openxmlformats.org/officeDocument/2006/relationships" xmlns:p="http://schemas.openxmlformats.org/presentationml/2006/main">
   <p:cSld>
@@ -3195,7 +3093,7 @@
       </p:grpSpPr>
       <p:pic>
         <p:nvPicPr>
-          <p:cNvPr id="11" name="Picture 10">
+          <p:cNvPr id="11" name="Picture 10" descr="Almonds food tracker showing 75% fat, 11% carbs, and 14% protein">
             <a:extLst>
               <a:ext uri="{FF2B5EF4-FFF2-40B4-BE49-F238E27FC236}">
                 <a16:creationId xmlns:a16="http://schemas.microsoft.com/office/drawing/2014/main" id="{D976D418-E3A2-4580-B393-F4B56AAE9934}"/>
@@ -3230,7 +3128,7 @@
       </p:pic>
       <p:pic>
         <p:nvPicPr>
-          <p:cNvPr id="13" name="Picture 12">
+          <p:cNvPr id="13" name="Picture 12" descr="Almonds nutritional label: Serving size 1 oz., calories 170, total fat 15g (26%), saturated fat 1g, polyunsaturated fat 4g, monounsaturated fat 10g, total carbohydrates 5g (5%), dietary fiber 3g, sugars 1g, proteins 6g (4%)">
             <a:extLst>
               <a:ext uri="{FF2B5EF4-FFF2-40B4-BE49-F238E27FC236}">
                 <a16:creationId xmlns:a16="http://schemas.microsoft.com/office/drawing/2014/main" id="{B57C9DB3-7DA4-4213-A1B6-F73520C0DA89}"/>
@@ -3279,14 +3177,6 @@
 <file path=ppt/slides/slide3.xml><?xml version="1.0" encoding="utf-8"?>
 <p:sld xmlns:a="http://schemas.openxmlformats.org/drawingml/2006/main" xmlns:r="http://schemas.openxmlformats.org/officeDocument/2006/relationships" xmlns:p="http://schemas.openxmlformats.org/presentationml/2006/main">
   <p:cSld>
-    <p:bg>
-      <p:bgPr>
-        <a:solidFill>
-          <a:schemeClr val="bg1"/>
-        </a:solidFill>
-        <a:effectLst/>
-      </p:bgPr>
-    </p:bg>
     <p:spTree>
       <p:nvGrpSpPr>
         <p:cNvPr id="1" name=""/>
@@ -3303,107 +3193,7 @@
       </p:grpSpPr>
       <p:pic>
         <p:nvPicPr>
-          <p:cNvPr id="11" name="Picture 10">
-            <a:extLst>
-              <a:ext uri="{FF2B5EF4-FFF2-40B4-BE49-F238E27FC236}">
-                <a16:creationId xmlns:a16="http://schemas.microsoft.com/office/drawing/2014/main" id="{D976D418-E3A2-4580-B393-F4B56AAE9934}"/>
-              </a:ext>
-            </a:extLst>
-          </p:cNvPr>
-          <p:cNvPicPr>
-            <a:picLocks noChangeAspect="1"/>
-          </p:cNvPicPr>
-          <p:nvPr/>
-        </p:nvPicPr>
-        <p:blipFill>
-          <a:blip r:embed="rId2">
-            <a:extLst>
-              <a:ext uri="{28A0092B-C50C-407E-A947-70E740481C1C}">
-                <a14:useLocalDpi xmlns:a14="http://schemas.microsoft.com/office/drawing/2010/main" val="0"/>
-              </a:ext>
-            </a:extLst>
-          </a:blip>
-          <a:srcRect/>
-          <a:stretch/>
-        </p:blipFill>
-        <p:spPr>
-          <a:xfrm>
-            <a:off x="6483145" y="347470"/>
-            <a:ext cx="5341315" cy="6163056"/>
-          </a:xfrm>
-          <a:prstGeom prst="rect">
-            <a:avLst/>
-          </a:prstGeom>
-        </p:spPr>
-      </p:pic>
-      <p:pic>
-        <p:nvPicPr>
-          <p:cNvPr id="13" name="Picture 12">
-            <a:extLst>
-              <a:ext uri="{FF2B5EF4-FFF2-40B4-BE49-F238E27FC236}">
-                <a16:creationId xmlns:a16="http://schemas.microsoft.com/office/drawing/2014/main" id="{B57C9DB3-7DA4-4213-A1B6-F73520C0DA89}"/>
-              </a:ext>
-            </a:extLst>
-          </p:cNvPr>
-          <p:cNvPicPr>
-            <a:picLocks noChangeAspect="1"/>
-          </p:cNvPicPr>
-          <p:nvPr/>
-        </p:nvPicPr>
-        <p:blipFill>
-          <a:blip r:embed="rId3">
-            <a:extLst>
-              <a:ext uri="{28A0092B-C50C-407E-A947-70E740481C1C}">
-                <a14:useLocalDpi xmlns:a14="http://schemas.microsoft.com/office/drawing/2010/main" val="0"/>
-              </a:ext>
-            </a:extLst>
-          </a:blip>
-          <a:srcRect/>
-          <a:stretch/>
-        </p:blipFill>
-        <p:spPr>
-          <a:xfrm>
-            <a:off x="321732" y="988885"/>
-            <a:ext cx="5464456" cy="4880226"/>
-          </a:xfrm>
-          <a:prstGeom prst="rect">
-            <a:avLst/>
-          </a:prstGeom>
-        </p:spPr>
-      </p:pic>
-    </p:spTree>
-    <p:extLst>
-      <p:ext uri="{BB962C8B-B14F-4D97-AF65-F5344CB8AC3E}">
-        <p14:creationId xmlns:p14="http://schemas.microsoft.com/office/powerpoint/2010/main" val="3854326539"/>
-      </p:ext>
-    </p:extLst>
-  </p:cSld>
-  <p:clrMapOvr>
-    <a:masterClrMapping/>
-  </p:clrMapOvr>
-</p:sld>
-</file>
-
-<file path=ppt/slides/slide4.xml><?xml version="1.0" encoding="utf-8"?>
-<p:sld xmlns:a="http://schemas.openxmlformats.org/drawingml/2006/main" xmlns:r="http://schemas.openxmlformats.org/officeDocument/2006/relationships" xmlns:p="http://schemas.openxmlformats.org/presentationml/2006/main">
-  <p:cSld>
-    <p:spTree>
-      <p:nvGrpSpPr>
-        <p:cNvPr id="1" name=""/>
-        <p:cNvGrpSpPr/>
-        <p:nvPr/>
-      </p:nvGrpSpPr>
-      <p:grpSpPr>
-        <a:xfrm>
-          <a:off x="0" y="0"/>
-          <a:ext cx="0" cy="0"/>
-          <a:chOff x="0" y="0"/>
-          <a:chExt cx="0" cy="0"/>
-        </a:xfrm>
-      </p:grpSpPr>
-      <p:pic>
-        <p:nvPicPr>
-          <p:cNvPr id="3" name="Picture 2">
+          <p:cNvPr id="3" name="Picture 2" descr="Avocado nutritional label: Serving size 1/2 medium, calories 120, total fat 11g (19%), saturated fat 1g, polyunsaturated fat 4g, monounsaturated fat 10g, total carbohydrates 6g (7%), dietary fiber 3g, sugars 1g, protein 1.5g (1%)">
             <a:extLst>
               <a:ext uri="{FF2B5EF4-FFF2-40B4-BE49-F238E27FC236}">
                 <a16:creationId xmlns:a16="http://schemas.microsoft.com/office/drawing/2014/main" id="{93541BCE-4AB7-487E-B562-B4EABBC61213}"/>
@@ -3438,7 +3228,7 @@
       </p:pic>
       <p:pic>
         <p:nvPicPr>
-          <p:cNvPr id="9" name="Picture 8">
+          <p:cNvPr id="9" name="Picture 8" descr="Avocado food tracker showing 76% fat, 20% carbs, and 4% protein">
             <a:extLst>
               <a:ext uri="{FF2B5EF4-FFF2-40B4-BE49-F238E27FC236}">
                 <a16:creationId xmlns:a16="http://schemas.microsoft.com/office/drawing/2014/main" id="{FCB3D9A8-54CC-480B-8007-8FB9D6DD3A52}"/>
@@ -3484,7 +3274,7 @@
 </p:sld>
 </file>
 
-<file path=ppt/slides/slide5.xml><?xml version="1.0" encoding="utf-8"?>
+<file path=ppt/slides/slide4.xml><?xml version="1.0" encoding="utf-8"?>
 <p:sld xmlns:a="http://schemas.openxmlformats.org/drawingml/2006/main" xmlns:r="http://schemas.openxmlformats.org/officeDocument/2006/relationships" xmlns:p="http://schemas.openxmlformats.org/presentationml/2006/main">
   <p:cSld>
     <p:spTree>
@@ -3503,7 +3293,7 @@
       </p:grpSpPr>
       <p:pic>
         <p:nvPicPr>
-          <p:cNvPr id="3" name="Picture 2">
+          <p:cNvPr id="3" name="Picture 2" descr="Bacon nutritional label: Serving size 1 piece, calories 60, total fat 5g (9%), saturated fat 2g, polyunsaturated fat 0g, monounsaturated fat 0g, total carbohydrates 0g (0%), dietary fiber 0g, sugars 0g, proteins 3g (2%)">
             <a:extLst>
               <a:ext uri="{FF2B5EF4-FFF2-40B4-BE49-F238E27FC236}">
                 <a16:creationId xmlns:a16="http://schemas.microsoft.com/office/drawing/2014/main" id="{2E274029-3CB9-4D3F-8CEB-63C4F6EA58A2}"/>
@@ -3538,7 +3328,7 @@
       </p:pic>
       <p:pic>
         <p:nvPicPr>
-          <p:cNvPr id="9" name="Picture 8">
+          <p:cNvPr id="9" name="Picture 8" descr="Bacon food tracker showing 79% fat, 0% carbs, and 21% protein">
             <a:extLst>
               <a:ext uri="{FF2B5EF4-FFF2-40B4-BE49-F238E27FC236}">
                 <a16:creationId xmlns:a16="http://schemas.microsoft.com/office/drawing/2014/main" id="{1DD3E820-548F-49FD-9BC0-B37D771125A6}"/>
@@ -3584,7 +3374,7 @@
 </p:sld>
 </file>
 
-<file path=ppt/slides/slide6.xml><?xml version="1.0" encoding="utf-8"?>
+<file path=ppt/slides/slide5.xml><?xml version="1.0" encoding="utf-8"?>
 <p:sld xmlns:a="http://schemas.openxmlformats.org/drawingml/2006/main" xmlns:r="http://schemas.openxmlformats.org/officeDocument/2006/relationships" xmlns:p="http://schemas.openxmlformats.org/presentationml/2006/main">
   <p:cSld>
     <p:spTree>
@@ -3603,7 +3393,7 @@
       </p:grpSpPr>
       <p:pic>
         <p:nvPicPr>
-          <p:cNvPr id="3" name="Picture 2">
+          <p:cNvPr id="3" name="Picture 2" descr="Butter nutritional label: Serving size 1 oz., calories 120, total fat 9g (16%), saturated fat 6 g, polyunsaturated fat 0g, monounsaturated fat 0g, total carbohydrates 2g (2%), dietary fiber 0g, sugars 0g, proteins 6g (4%)">
             <a:extLst>
               <a:ext uri="{FF2B5EF4-FFF2-40B4-BE49-F238E27FC236}">
                 <a16:creationId xmlns:a16="http://schemas.microsoft.com/office/drawing/2014/main" id="{D4094881-8A73-4191-88C5-AE902DAF078D}"/>
@@ -3638,7 +3428,7 @@
       </p:pic>
       <p:pic>
         <p:nvPicPr>
-          <p:cNvPr id="9" name="Picture 8">
+          <p:cNvPr id="9" name="Picture 8" descr="Butter food tracker showing 100% fat, 0% carbs, and 0% protein&#10;">
             <a:extLst>
               <a:ext uri="{FF2B5EF4-FFF2-40B4-BE49-F238E27FC236}">
                 <a16:creationId xmlns:a16="http://schemas.microsoft.com/office/drawing/2014/main" id="{0E8E4F9C-C06E-4F2A-8A32-0ECA26EDE1D5}"/>
@@ -3684,7 +3474,7 @@
 </p:sld>
 </file>
 
-<file path=ppt/slides/slide7.xml><?xml version="1.0" encoding="utf-8"?>
+<file path=ppt/slides/slide6.xml><?xml version="1.0" encoding="utf-8"?>
 <p:sld xmlns:a="http://schemas.openxmlformats.org/drawingml/2006/main" xmlns:r="http://schemas.openxmlformats.org/officeDocument/2006/relationships" xmlns:p="http://schemas.openxmlformats.org/presentationml/2006/main">
   <p:cSld>
     <p:spTree>
@@ -3703,7 +3493,7 @@
       </p:grpSpPr>
       <p:pic>
         <p:nvPicPr>
-          <p:cNvPr id="3" name="Picture 2">
+          <p:cNvPr id="3" name="Picture 2" descr="Casheews nutritional label: Serving size 1 oz., calories 170, total fat 14g (24%), saturated fat 2g, polyunsaturated fat 0g, monounsaturated fat 0g, total carbohydrates 6g (6%), dietary fiber 2g, sugars 1g, proteins 8g (5%)">
             <a:extLst>
               <a:ext uri="{FF2B5EF4-FFF2-40B4-BE49-F238E27FC236}">
                 <a16:creationId xmlns:a16="http://schemas.microsoft.com/office/drawing/2014/main" id="{8F732D9E-B16A-4CE0-83A2-74102A49EDF9}"/>
@@ -3738,7 +3528,7 @@
       </p:pic>
       <p:pic>
         <p:nvPicPr>
-          <p:cNvPr id="9" name="Picture 8">
+          <p:cNvPr id="9" name="Picture 8" descr="Cashews food tracker showing 69% fat, 13% carbs, and 18% protein">
             <a:extLst>
               <a:ext uri="{FF2B5EF4-FFF2-40B4-BE49-F238E27FC236}">
                 <a16:creationId xmlns:a16="http://schemas.microsoft.com/office/drawing/2014/main" id="{A3B83438-F7D5-46F7-84C0-5BD830BB4C3B}"/>
@@ -3784,7 +3574,7 @@
 </p:sld>
 </file>
 
-<file path=ppt/slides/slide8.xml><?xml version="1.0" encoding="utf-8"?>
+<file path=ppt/slides/slide7.xml><?xml version="1.0" encoding="utf-8"?>
 <p:sld xmlns:a="http://schemas.openxmlformats.org/drawingml/2006/main" xmlns:r="http://schemas.openxmlformats.org/officeDocument/2006/relationships" xmlns:p="http://schemas.openxmlformats.org/presentationml/2006/main">
   <p:cSld>
     <p:spTree>
@@ -3803,7 +3593,7 @@
       </p:grpSpPr>
       <p:pic>
         <p:nvPicPr>
-          <p:cNvPr id="3" name="Picture 2">
+          <p:cNvPr id="3" name="Picture 2" descr="Cheddar cheese: Serving size 1 oz., calories 120, total fat 9g (16%), saturated fat 6 g, polyunsaturated fat 0g, monounsaturated fat 0g, total carbohydrates 2g (2%), dietary fiber 0g, sugars 0g, proteins 6g (4%)">
             <a:extLst>
               <a:ext uri="{FF2B5EF4-FFF2-40B4-BE49-F238E27FC236}">
                 <a16:creationId xmlns:a16="http://schemas.microsoft.com/office/drawing/2014/main" id="{7DA2B48C-E43C-4354-BAC5-EA0669D7D939}"/>
@@ -3838,7 +3628,7 @@
       </p:pic>
       <p:pic>
         <p:nvPicPr>
-          <p:cNvPr id="9" name="Picture 8">
+          <p:cNvPr id="9" name="Picture 8" descr="Cheddar cheese food tracker showing 72% fat, 7% carbs, and 21% protein">
             <a:extLst>
               <a:ext uri="{FF2B5EF4-FFF2-40B4-BE49-F238E27FC236}">
                 <a16:creationId xmlns:a16="http://schemas.microsoft.com/office/drawing/2014/main" id="{6A7A7D94-B84B-4C72-B551-372AEDEBF27C}"/>
@@ -3884,7 +3674,7 @@
 </p:sld>
 </file>
 
-<file path=ppt/slides/slide9.xml><?xml version="1.0" encoding="utf-8"?>
+<file path=ppt/slides/slide8.xml><?xml version="1.0" encoding="utf-8"?>
 <p:sld xmlns:a="http://schemas.openxmlformats.org/drawingml/2006/main" xmlns:r="http://schemas.openxmlformats.org/officeDocument/2006/relationships" xmlns:p="http://schemas.openxmlformats.org/presentationml/2006/main">
   <p:cSld>
     <p:spTree>
@@ -3903,7 +3693,7 @@
       </p:grpSpPr>
       <p:pic>
         <p:nvPicPr>
-          <p:cNvPr id="3" name="Picture 2">
+          <p:cNvPr id="3" name="Picture 2" descr="Egg nutritional label: Serving size 1 large., calories 70, total fat 5g (8%), saturated fat 1.5g, polyunsaturated fat 1g, monounsaturated fat 2g, total carbohydrates 0.5g (0%), dietary fiber 0g, sugars 0g, proteins 6g (4%)">
             <a:extLst>
               <a:ext uri="{FF2B5EF4-FFF2-40B4-BE49-F238E27FC236}">
                 <a16:creationId xmlns:a16="http://schemas.microsoft.com/office/drawing/2014/main" id="{5A7052CE-EF89-497E-A5CA-5BEC081A231F}"/>
@@ -3938,7 +3728,7 @@
       </p:pic>
       <p:pic>
         <p:nvPicPr>
-          <p:cNvPr id="9" name="Picture 8">
+          <p:cNvPr id="9" name="Picture 8" descr="Egg food tracker showing 62% fat, 2% carbs, and 36% protein&#10;">
             <a:extLst>
               <a:ext uri="{FF2B5EF4-FFF2-40B4-BE49-F238E27FC236}">
                 <a16:creationId xmlns:a16="http://schemas.microsoft.com/office/drawing/2014/main" id="{AA421ED5-228F-4ACC-9C2F-54AA94CD57F4}"/>
@@ -3975,6 +3765,106 @@
     <p:extLst>
       <p:ext uri="{BB962C8B-B14F-4D97-AF65-F5344CB8AC3E}">
         <p14:creationId xmlns:p14="http://schemas.microsoft.com/office/powerpoint/2010/main" val="1801791457"/>
+      </p:ext>
+    </p:extLst>
+  </p:cSld>
+  <p:clrMapOvr>
+    <a:masterClrMapping/>
+  </p:clrMapOvr>
+</p:sld>
+</file>
+
+<file path=ppt/slides/slide9.xml><?xml version="1.0" encoding="utf-8"?>
+<p:sld xmlns:a="http://schemas.openxmlformats.org/drawingml/2006/main" xmlns:r="http://schemas.openxmlformats.org/officeDocument/2006/relationships" xmlns:p="http://schemas.openxmlformats.org/presentationml/2006/main">
+  <p:cSld>
+    <p:spTree>
+      <p:nvGrpSpPr>
+        <p:cNvPr id="1" name=""/>
+        <p:cNvGrpSpPr/>
+        <p:nvPr/>
+      </p:nvGrpSpPr>
+      <p:grpSpPr>
+        <a:xfrm>
+          <a:off x="0" y="0"/>
+          <a:ext cx="0" cy="0"/>
+          <a:chOff x="0" y="0"/>
+          <a:chExt cx="0" cy="0"/>
+        </a:xfrm>
+      </p:grpSpPr>
+      <p:pic>
+        <p:nvPicPr>
+          <p:cNvPr id="3" name="Picture 2" descr="Peanut butter nutritional label: Serving size 2 Tbsp., calories 190, total fat 16g (28%), saturated fat 2.5g, polyunsaturated fat 0g, monounsaturated fat 0g, total carbohydrates 8g (9%), dietary fiber 2g, sugars 3g, proteins 7g (5%)">
+            <a:extLst>
+              <a:ext uri="{FF2B5EF4-FFF2-40B4-BE49-F238E27FC236}">
+                <a16:creationId xmlns:a16="http://schemas.microsoft.com/office/drawing/2014/main" id="{5A7052CE-EF89-497E-A5CA-5BEC081A231F}"/>
+              </a:ext>
+            </a:extLst>
+          </p:cNvPr>
+          <p:cNvPicPr>
+            <a:picLocks noChangeAspect="1"/>
+          </p:cNvPicPr>
+          <p:nvPr/>
+        </p:nvPicPr>
+        <p:blipFill>
+          <a:blip r:embed="rId2">
+            <a:extLst>
+              <a:ext uri="{28A0092B-C50C-407E-A947-70E740481C1C}">
+                <a14:useLocalDpi xmlns:a14="http://schemas.microsoft.com/office/drawing/2010/main" val="0"/>
+              </a:ext>
+            </a:extLst>
+          </a:blip>
+          <a:srcRect/>
+          <a:stretch/>
+        </p:blipFill>
+        <p:spPr>
+          <a:xfrm>
+            <a:off x="320040" y="988887"/>
+            <a:ext cx="5464456" cy="4880226"/>
+          </a:xfrm>
+          <a:prstGeom prst="rect">
+            <a:avLst/>
+          </a:prstGeom>
+        </p:spPr>
+      </p:pic>
+      <p:pic>
+        <p:nvPicPr>
+          <p:cNvPr id="9" name="Picture 8" descr="Peanut butter food tracker showing 71% fat, 16% carbs, and 13% protein">
+            <a:extLst>
+              <a:ext uri="{FF2B5EF4-FFF2-40B4-BE49-F238E27FC236}">
+                <a16:creationId xmlns:a16="http://schemas.microsoft.com/office/drawing/2014/main" id="{AA421ED5-228F-4ACC-9C2F-54AA94CD57F4}"/>
+              </a:ext>
+            </a:extLst>
+          </p:cNvPr>
+          <p:cNvPicPr>
+            <a:picLocks noChangeAspect="1"/>
+          </p:cNvPicPr>
+          <p:nvPr/>
+        </p:nvPicPr>
+        <p:blipFill>
+          <a:blip r:embed="rId3">
+            <a:extLst>
+              <a:ext uri="{28A0092B-C50C-407E-A947-70E740481C1C}">
+                <a14:useLocalDpi xmlns:a14="http://schemas.microsoft.com/office/drawing/2010/main" val="0"/>
+              </a:ext>
+            </a:extLst>
+          </a:blip>
+          <a:srcRect/>
+          <a:stretch/>
+        </p:blipFill>
+        <p:spPr>
+          <a:xfrm>
+            <a:off x="6481974" y="347472"/>
+            <a:ext cx="5341315" cy="6163055"/>
+          </a:xfrm>
+          <a:prstGeom prst="rect">
+            <a:avLst/>
+          </a:prstGeom>
+        </p:spPr>
+      </p:pic>
+    </p:spTree>
+    <p:extLst>
+      <p:ext uri="{BB962C8B-B14F-4D97-AF65-F5344CB8AC3E}">
+        <p14:creationId xmlns:p14="http://schemas.microsoft.com/office/powerpoint/2010/main" val="3860751518"/>
       </p:ext>
     </p:extLst>
   </p:cSld>

--- a/Resources/FatsGuide.pptx
+++ b/Resources/FatsGuide.pptx
@@ -268,7 +268,7 @@
           <a:p>
             <a:fld id="{E9BF1F2D-2AEF-4074-BE6D-430396F80950}" type="datetimeFigureOut">
               <a:rPr lang="en-US" smtClean="0"/>
-              <a:t>4/6/2020</a:t>
+              <a:t>4/20/2020</a:t>
             </a:fld>
             <a:endParaRPr lang="en-US"/>
           </a:p>
@@ -438,7 +438,7 @@
           <a:p>
             <a:fld id="{E9BF1F2D-2AEF-4074-BE6D-430396F80950}" type="datetimeFigureOut">
               <a:rPr lang="en-US" smtClean="0"/>
-              <a:t>4/6/2020</a:t>
+              <a:t>4/20/2020</a:t>
             </a:fld>
             <a:endParaRPr lang="en-US"/>
           </a:p>
@@ -618,7 +618,7 @@
           <a:p>
             <a:fld id="{E9BF1F2D-2AEF-4074-BE6D-430396F80950}" type="datetimeFigureOut">
               <a:rPr lang="en-US" smtClean="0"/>
-              <a:t>4/6/2020</a:t>
+              <a:t>4/20/2020</a:t>
             </a:fld>
             <a:endParaRPr lang="en-US"/>
           </a:p>
@@ -788,7 +788,7 @@
           <a:p>
             <a:fld id="{E9BF1F2D-2AEF-4074-BE6D-430396F80950}" type="datetimeFigureOut">
               <a:rPr lang="en-US" smtClean="0"/>
-              <a:t>4/6/2020</a:t>
+              <a:t>4/20/2020</a:t>
             </a:fld>
             <a:endParaRPr lang="en-US"/>
           </a:p>
@@ -1032,7 +1032,7 @@
           <a:p>
             <a:fld id="{E9BF1F2D-2AEF-4074-BE6D-430396F80950}" type="datetimeFigureOut">
               <a:rPr lang="en-US" smtClean="0"/>
-              <a:t>4/6/2020</a:t>
+              <a:t>4/20/2020</a:t>
             </a:fld>
             <a:endParaRPr lang="en-US"/>
           </a:p>
@@ -1264,7 +1264,7 @@
           <a:p>
             <a:fld id="{E9BF1F2D-2AEF-4074-BE6D-430396F80950}" type="datetimeFigureOut">
               <a:rPr lang="en-US" smtClean="0"/>
-              <a:t>4/6/2020</a:t>
+              <a:t>4/20/2020</a:t>
             </a:fld>
             <a:endParaRPr lang="en-US"/>
           </a:p>
@@ -1631,7 +1631,7 @@
           <a:p>
             <a:fld id="{E9BF1F2D-2AEF-4074-BE6D-430396F80950}" type="datetimeFigureOut">
               <a:rPr lang="en-US" smtClean="0"/>
-              <a:t>4/6/2020</a:t>
+              <a:t>4/20/2020</a:t>
             </a:fld>
             <a:endParaRPr lang="en-US"/>
           </a:p>
@@ -1749,7 +1749,7 @@
           <a:p>
             <a:fld id="{E9BF1F2D-2AEF-4074-BE6D-430396F80950}" type="datetimeFigureOut">
               <a:rPr lang="en-US" smtClean="0"/>
-              <a:t>4/6/2020</a:t>
+              <a:t>4/20/2020</a:t>
             </a:fld>
             <a:endParaRPr lang="en-US"/>
           </a:p>
@@ -1844,7 +1844,7 @@
           <a:p>
             <a:fld id="{E9BF1F2D-2AEF-4074-BE6D-430396F80950}" type="datetimeFigureOut">
               <a:rPr lang="en-US" smtClean="0"/>
-              <a:t>4/6/2020</a:t>
+              <a:t>4/20/2020</a:t>
             </a:fld>
             <a:endParaRPr lang="en-US"/>
           </a:p>
@@ -2121,7 +2121,7 @@
           <a:p>
             <a:fld id="{E9BF1F2D-2AEF-4074-BE6D-430396F80950}" type="datetimeFigureOut">
               <a:rPr lang="en-US" smtClean="0"/>
-              <a:t>4/6/2020</a:t>
+              <a:t>4/20/2020</a:t>
             </a:fld>
             <a:endParaRPr lang="en-US"/>
           </a:p>
@@ -2378,7 +2378,7 @@
           <a:p>
             <a:fld id="{E9BF1F2D-2AEF-4074-BE6D-430396F80950}" type="datetimeFigureOut">
               <a:rPr lang="en-US" smtClean="0"/>
-              <a:t>4/6/2020</a:t>
+              <a:t>4/20/2020</a:t>
             </a:fld>
             <a:endParaRPr lang="en-US"/>
           </a:p>
@@ -2591,7 +2591,7 @@
           <a:p>
             <a:fld id="{E9BF1F2D-2AEF-4074-BE6D-430396F80950}" type="datetimeFigureOut">
               <a:rPr lang="en-US" smtClean="0"/>
-              <a:t>4/6/2020</a:t>
+              <a:t>4/20/2020</a:t>
             </a:fld>
             <a:endParaRPr lang="en-US"/>
           </a:p>
@@ -3020,10 +3020,13 @@
             <a:pPr algn="ctr"/>
             <a:r>
               <a:rPr lang="en-US" dirty="0">
-                <a:latin typeface="FuturaHandwritten" panose="02000603000000000000" pitchFamily="2" charset="0"/>
+                <a:solidFill>
+                  <a:srgbClr val="7030A0"/>
+                </a:solidFill>
+                <a:latin typeface="Peace Sans" panose="02000505040000020004" pitchFamily="50" charset="0"/>
                 <a:ea typeface="FuturaHandwritten" panose="02000603000000000000" pitchFamily="2" charset="0"/>
               </a:rPr>
-              <a:t>Fats</a:t>
+              <a:t>Fats Guide</a:t>
             </a:r>
           </a:p>
         </p:txBody>

--- a/Resources/FatsGuide.pptx
+++ b/Resources/FatsGuide.pptx
@@ -268,7 +268,7 @@
           <a:p>
             <a:fld id="{E9BF1F2D-2AEF-4074-BE6D-430396F80950}" type="datetimeFigureOut">
               <a:rPr lang="en-US" smtClean="0"/>
-              <a:t>4/20/2020</a:t>
+              <a:t>5/2/2020</a:t>
             </a:fld>
             <a:endParaRPr lang="en-US"/>
           </a:p>
@@ -438,7 +438,7 @@
           <a:p>
             <a:fld id="{E9BF1F2D-2AEF-4074-BE6D-430396F80950}" type="datetimeFigureOut">
               <a:rPr lang="en-US" smtClean="0"/>
-              <a:t>4/20/2020</a:t>
+              <a:t>5/2/2020</a:t>
             </a:fld>
             <a:endParaRPr lang="en-US"/>
           </a:p>
@@ -618,7 +618,7 @@
           <a:p>
             <a:fld id="{E9BF1F2D-2AEF-4074-BE6D-430396F80950}" type="datetimeFigureOut">
               <a:rPr lang="en-US" smtClean="0"/>
-              <a:t>4/20/2020</a:t>
+              <a:t>5/2/2020</a:t>
             </a:fld>
             <a:endParaRPr lang="en-US"/>
           </a:p>
@@ -788,7 +788,7 @@
           <a:p>
             <a:fld id="{E9BF1F2D-2AEF-4074-BE6D-430396F80950}" type="datetimeFigureOut">
               <a:rPr lang="en-US" smtClean="0"/>
-              <a:t>4/20/2020</a:t>
+              <a:t>5/2/2020</a:t>
             </a:fld>
             <a:endParaRPr lang="en-US"/>
           </a:p>
@@ -1032,7 +1032,7 @@
           <a:p>
             <a:fld id="{E9BF1F2D-2AEF-4074-BE6D-430396F80950}" type="datetimeFigureOut">
               <a:rPr lang="en-US" smtClean="0"/>
-              <a:t>4/20/2020</a:t>
+              <a:t>5/2/2020</a:t>
             </a:fld>
             <a:endParaRPr lang="en-US"/>
           </a:p>
@@ -1264,7 +1264,7 @@
           <a:p>
             <a:fld id="{E9BF1F2D-2AEF-4074-BE6D-430396F80950}" type="datetimeFigureOut">
               <a:rPr lang="en-US" smtClean="0"/>
-              <a:t>4/20/2020</a:t>
+              <a:t>5/2/2020</a:t>
             </a:fld>
             <a:endParaRPr lang="en-US"/>
           </a:p>
@@ -1631,7 +1631,7 @@
           <a:p>
             <a:fld id="{E9BF1F2D-2AEF-4074-BE6D-430396F80950}" type="datetimeFigureOut">
               <a:rPr lang="en-US" smtClean="0"/>
-              <a:t>4/20/2020</a:t>
+              <a:t>5/2/2020</a:t>
             </a:fld>
             <a:endParaRPr lang="en-US"/>
           </a:p>
@@ -1749,7 +1749,7 @@
           <a:p>
             <a:fld id="{E9BF1F2D-2AEF-4074-BE6D-430396F80950}" type="datetimeFigureOut">
               <a:rPr lang="en-US" smtClean="0"/>
-              <a:t>4/20/2020</a:t>
+              <a:t>5/2/2020</a:t>
             </a:fld>
             <a:endParaRPr lang="en-US"/>
           </a:p>
@@ -1844,7 +1844,7 @@
           <a:p>
             <a:fld id="{E9BF1F2D-2AEF-4074-BE6D-430396F80950}" type="datetimeFigureOut">
               <a:rPr lang="en-US" smtClean="0"/>
-              <a:t>4/20/2020</a:t>
+              <a:t>5/2/2020</a:t>
             </a:fld>
             <a:endParaRPr lang="en-US"/>
           </a:p>
@@ -2121,7 +2121,7 @@
           <a:p>
             <a:fld id="{E9BF1F2D-2AEF-4074-BE6D-430396F80950}" type="datetimeFigureOut">
               <a:rPr lang="en-US" smtClean="0"/>
-              <a:t>4/20/2020</a:t>
+              <a:t>5/2/2020</a:t>
             </a:fld>
             <a:endParaRPr lang="en-US"/>
           </a:p>
@@ -2378,7 +2378,7 @@
           <a:p>
             <a:fld id="{E9BF1F2D-2AEF-4074-BE6D-430396F80950}" type="datetimeFigureOut">
               <a:rPr lang="en-US" smtClean="0"/>
-              <a:t>4/20/2020</a:t>
+              <a:t>5/2/2020</a:t>
             </a:fld>
             <a:endParaRPr lang="en-US"/>
           </a:p>
@@ -2591,7 +2591,7 @@
           <a:p>
             <a:fld id="{E9BF1F2D-2AEF-4074-BE6D-430396F80950}" type="datetimeFigureOut">
               <a:rPr lang="en-US" smtClean="0"/>
-              <a:t>4/20/2020</a:t>
+              <a:t>5/2/2020</a:t>
             </a:fld>
             <a:endParaRPr lang="en-US"/>
           </a:p>
@@ -3023,7 +3023,7 @@
                 <a:solidFill>
                   <a:srgbClr val="7030A0"/>
                 </a:solidFill>
-                <a:latin typeface="Peace Sans" panose="02000505040000020004" pitchFamily="50" charset="0"/>
+                <a:latin typeface="Articulate Extrabold" panose="02000503050000020004" pitchFamily="2" charset="0"/>
                 <a:ea typeface="FuturaHandwritten" panose="02000603000000000000" pitchFamily="2" charset="0"/>
               </a:rPr>
               <a:t>Fats Guide</a:t>
